--- a/03_ModelisationBlocs/Cours/images/Figures.pptx
+++ b/03_ModelisationBlocs/Cours/images/Figures.pptx
@@ -298,7 +298,7 @@
           <a:p>
             <a:fld id="{AA309A6D-C09C-4548-B29A-6CF363A7E532}" type="datetimeFigureOut">
               <a:rPr lang="fr-FR" smtClean="0"/>
-              <a:t>01/10/2013</a:t>
+              <a:t>18/09/2015</a:t>
             </a:fld>
             <a:endParaRPr lang="fr-BE"/>
           </a:p>
@@ -463,7 +463,7 @@
           <a:p>
             <a:fld id="{AA309A6D-C09C-4548-B29A-6CF363A7E532}" type="datetimeFigureOut">
               <a:rPr lang="fr-FR" smtClean="0"/>
-              <a:t>01/10/2013</a:t>
+              <a:t>18/09/2015</a:t>
             </a:fld>
             <a:endParaRPr lang="fr-BE"/>
           </a:p>
@@ -638,7 +638,7 @@
           <a:p>
             <a:fld id="{AA309A6D-C09C-4548-B29A-6CF363A7E532}" type="datetimeFigureOut">
               <a:rPr lang="fr-FR" smtClean="0"/>
-              <a:t>01/10/2013</a:t>
+              <a:t>18/09/2015</a:t>
             </a:fld>
             <a:endParaRPr lang="fr-BE"/>
           </a:p>
@@ -803,7 +803,7 @@
           <a:p>
             <a:fld id="{AA309A6D-C09C-4548-B29A-6CF363A7E532}" type="datetimeFigureOut">
               <a:rPr lang="fr-FR" smtClean="0"/>
-              <a:t>01/10/2013</a:t>
+              <a:t>18/09/2015</a:t>
             </a:fld>
             <a:endParaRPr lang="fr-BE"/>
           </a:p>
@@ -1044,7 +1044,7 @@
           <a:p>
             <a:fld id="{AA309A6D-C09C-4548-B29A-6CF363A7E532}" type="datetimeFigureOut">
               <a:rPr lang="fr-FR" smtClean="0"/>
-              <a:t>01/10/2013</a:t>
+              <a:t>18/09/2015</a:t>
             </a:fld>
             <a:endParaRPr lang="fr-BE"/>
           </a:p>
@@ -1327,7 +1327,7 @@
           <a:p>
             <a:fld id="{AA309A6D-C09C-4548-B29A-6CF363A7E532}" type="datetimeFigureOut">
               <a:rPr lang="fr-FR" smtClean="0"/>
-              <a:t>01/10/2013</a:t>
+              <a:t>18/09/2015</a:t>
             </a:fld>
             <a:endParaRPr lang="fr-BE"/>
           </a:p>
@@ -1744,7 +1744,7 @@
           <a:p>
             <a:fld id="{AA309A6D-C09C-4548-B29A-6CF363A7E532}" type="datetimeFigureOut">
               <a:rPr lang="fr-FR" smtClean="0"/>
-              <a:t>01/10/2013</a:t>
+              <a:t>18/09/2015</a:t>
             </a:fld>
             <a:endParaRPr lang="fr-BE"/>
           </a:p>
@@ -1857,7 +1857,7 @@
           <a:p>
             <a:fld id="{AA309A6D-C09C-4548-B29A-6CF363A7E532}" type="datetimeFigureOut">
               <a:rPr lang="fr-FR" smtClean="0"/>
-              <a:t>01/10/2013</a:t>
+              <a:t>18/09/2015</a:t>
             </a:fld>
             <a:endParaRPr lang="fr-BE"/>
           </a:p>
@@ -1947,7 +1947,7 @@
           <a:p>
             <a:fld id="{AA309A6D-C09C-4548-B29A-6CF363A7E532}" type="datetimeFigureOut">
               <a:rPr lang="fr-FR" smtClean="0"/>
-              <a:t>01/10/2013</a:t>
+              <a:t>18/09/2015</a:t>
             </a:fld>
             <a:endParaRPr lang="fr-BE"/>
           </a:p>
@@ -2219,7 +2219,7 @@
           <a:p>
             <a:fld id="{AA309A6D-C09C-4548-B29A-6CF363A7E532}" type="datetimeFigureOut">
               <a:rPr lang="fr-FR" smtClean="0"/>
-              <a:t>01/10/2013</a:t>
+              <a:t>18/09/2015</a:t>
             </a:fld>
             <a:endParaRPr lang="fr-BE"/>
           </a:p>
@@ -2467,7 +2467,7 @@
           <a:p>
             <a:fld id="{AA309A6D-C09C-4548-B29A-6CF363A7E532}" type="datetimeFigureOut">
               <a:rPr lang="fr-FR" smtClean="0"/>
-              <a:t>01/10/2013</a:t>
+              <a:t>18/09/2015</a:t>
             </a:fld>
             <a:endParaRPr lang="fr-BE"/>
           </a:p>
@@ -2675,7 +2675,7 @@
           <a:p>
             <a:fld id="{AA309A6D-C09C-4548-B29A-6CF363A7E532}" type="datetimeFigureOut">
               <a:rPr lang="fr-FR" smtClean="0"/>
-              <a:t>01/10/2013</a:t>
+              <a:t>18/09/2015</a:t>
             </a:fld>
             <a:endParaRPr lang="fr-BE"/>
           </a:p>
@@ -5941,8 +5941,8 @@
           </a:fontRef>
         </p:style>
       </p:cxnSp>
-      <mc:AlternateContent xmlns:mc="http://schemas.openxmlformats.org/markup-compatibility/2006">
-        <mc:Choice xmlns:a14="http://schemas.microsoft.com/office/drawing/2010/main" Requires="a14">
+      <mc:AlternateContent xmlns:mc="http://schemas.openxmlformats.org/markup-compatibility/2006" xmlns:a14="http://schemas.microsoft.com/office/drawing/2010/main">
+        <mc:Choice Requires="a14">
           <p:sp>
             <p:nvSpPr>
               <p:cNvPr id="9" name="ZoneTexte 8"/>
@@ -6004,7 +6004,7 @@
             </p:txBody>
           </p:sp>
         </mc:Choice>
-        <mc:Fallback>
+        <mc:Fallback xmlns="">
           <p:sp>
             <p:nvSpPr>
               <p:cNvPr id="9" name="ZoneTexte 8"/>
@@ -6192,8 +6192,8 @@
           </a:fontRef>
         </p:style>
       </p:cxnSp>
-      <mc:AlternateContent xmlns:mc="http://schemas.openxmlformats.org/markup-compatibility/2006">
-        <mc:Choice xmlns:a14="http://schemas.microsoft.com/office/drawing/2010/main" Requires="a14">
+      <mc:AlternateContent xmlns:mc="http://schemas.openxmlformats.org/markup-compatibility/2006" xmlns:a14="http://schemas.microsoft.com/office/drawing/2010/main">
+        <mc:Choice Requires="a14">
           <p:sp>
             <p:nvSpPr>
               <p:cNvPr id="32" name="Rectangle 31"/>
@@ -6267,7 +6267,7 @@
             </p:txBody>
           </p:sp>
         </mc:Choice>
-        <mc:Fallback>
+        <mc:Fallback xmlns="">
           <p:sp>
             <p:nvSpPr>
               <p:cNvPr id="32" name="Rectangle 31"/>
@@ -6344,8 +6344,8 @@
           </a:fontRef>
         </p:style>
       </p:cxnSp>
-      <mc:AlternateContent xmlns:mc="http://schemas.openxmlformats.org/markup-compatibility/2006">
-        <mc:Choice xmlns:a14="http://schemas.microsoft.com/office/drawing/2010/main" Requires="a14">
+      <mc:AlternateContent xmlns:mc="http://schemas.openxmlformats.org/markup-compatibility/2006" xmlns:a14="http://schemas.microsoft.com/office/drawing/2010/main">
+        <mc:Choice Requires="a14">
           <p:sp>
             <p:nvSpPr>
               <p:cNvPr id="34" name="Rectangle 33"/>
@@ -6431,7 +6431,7 @@
             </p:txBody>
           </p:sp>
         </mc:Choice>
-        <mc:Fallback>
+        <mc:Fallback xmlns="">
           <p:sp>
             <p:nvSpPr>
               <p:cNvPr id="34" name="Rectangle 33"/>
@@ -6506,8 +6506,8 @@
           </a:fontRef>
         </p:style>
       </p:cxnSp>
-      <mc:AlternateContent xmlns:mc="http://schemas.openxmlformats.org/markup-compatibility/2006">
-        <mc:Choice xmlns:a14="http://schemas.microsoft.com/office/drawing/2010/main" Requires="a14">
+      <mc:AlternateContent xmlns:mc="http://schemas.openxmlformats.org/markup-compatibility/2006" xmlns:a14="http://schemas.microsoft.com/office/drawing/2010/main">
+        <mc:Choice Requires="a14">
           <p:sp>
             <p:nvSpPr>
               <p:cNvPr id="37" name="Rectangle 36"/>
@@ -6581,7 +6581,7 @@
             </p:txBody>
           </p:sp>
         </mc:Choice>
-        <mc:Fallback>
+        <mc:Fallback xmlns="">
           <p:sp>
             <p:nvSpPr>
               <p:cNvPr id="37" name="Rectangle 36"/>
@@ -6694,8 +6694,8 @@
           </a:fontRef>
         </p:style>
       </p:cxnSp>
-      <mc:AlternateContent xmlns:mc="http://schemas.openxmlformats.org/markup-compatibility/2006">
-        <mc:Choice xmlns:a14="http://schemas.microsoft.com/office/drawing/2010/main" Requires="a14">
+      <mc:AlternateContent xmlns:mc="http://schemas.openxmlformats.org/markup-compatibility/2006" xmlns:a14="http://schemas.microsoft.com/office/drawing/2010/main">
+        <mc:Choice Requires="a14">
           <p:sp>
             <p:nvSpPr>
               <p:cNvPr id="60" name="ZoneTexte 59"/>
@@ -6776,7 +6776,7 @@
             </p:txBody>
           </p:sp>
         </mc:Choice>
-        <mc:Fallback>
+        <mc:Fallback xmlns="">
           <p:sp>
             <p:nvSpPr>
               <p:cNvPr id="60" name="ZoneTexte 59"/>
@@ -6853,8 +6853,8 @@
           </a:fontRef>
         </p:style>
       </p:cxnSp>
-      <mc:AlternateContent xmlns:mc="http://schemas.openxmlformats.org/markup-compatibility/2006">
-        <mc:Choice xmlns:a14="http://schemas.microsoft.com/office/drawing/2010/main" Requires="a14">
+      <mc:AlternateContent xmlns:mc="http://schemas.openxmlformats.org/markup-compatibility/2006" xmlns:a14="http://schemas.microsoft.com/office/drawing/2010/main">
+        <mc:Choice Requires="a14">
           <p:sp>
             <p:nvSpPr>
               <p:cNvPr id="24" name="ZoneTexte 23"/>
@@ -6916,7 +6916,7 @@
             </p:txBody>
           </p:sp>
         </mc:Choice>
-        <mc:Fallback>
+        <mc:Fallback xmlns="">
           <p:sp>
             <p:nvSpPr>
               <p:cNvPr id="24" name="ZoneTexte 23"/>
@@ -6955,8 +6955,8 @@
           </p:sp>
         </mc:Fallback>
       </mc:AlternateContent>
-      <mc:AlternateContent xmlns:mc="http://schemas.openxmlformats.org/markup-compatibility/2006">
-        <mc:Choice xmlns:a14="http://schemas.microsoft.com/office/drawing/2010/main" Requires="a14">
+      <mc:AlternateContent xmlns:mc="http://schemas.openxmlformats.org/markup-compatibility/2006" xmlns:a14="http://schemas.microsoft.com/office/drawing/2010/main">
+        <mc:Choice Requires="a14">
           <p:sp>
             <p:nvSpPr>
               <p:cNvPr id="27" name="ZoneTexte 26"/>
@@ -7018,7 +7018,7 @@
             </p:txBody>
           </p:sp>
         </mc:Choice>
-        <mc:Fallback>
+        <mc:Fallback xmlns="">
           <p:sp>
             <p:nvSpPr>
               <p:cNvPr id="27" name="ZoneTexte 26"/>
@@ -7057,8 +7057,8 @@
           </p:sp>
         </mc:Fallback>
       </mc:AlternateContent>
-      <mc:AlternateContent xmlns:mc="http://schemas.openxmlformats.org/markup-compatibility/2006">
-        <mc:Choice xmlns:a14="http://schemas.microsoft.com/office/drawing/2010/main" Requires="a14">
+      <mc:AlternateContent xmlns:mc="http://schemas.openxmlformats.org/markup-compatibility/2006" xmlns:a14="http://schemas.microsoft.com/office/drawing/2010/main">
+        <mc:Choice Requires="a14">
           <p:sp>
             <p:nvSpPr>
               <p:cNvPr id="28" name="Rectangle 27"/>
@@ -7132,7 +7132,7 @@
             </p:txBody>
           </p:sp>
         </mc:Choice>
-        <mc:Fallback>
+        <mc:Fallback xmlns="">
           <p:sp>
             <p:nvSpPr>
               <p:cNvPr id="28" name="Rectangle 27"/>
@@ -7207,8 +7207,8 @@
           </a:fontRef>
         </p:style>
       </p:cxnSp>
-      <mc:AlternateContent xmlns:mc="http://schemas.openxmlformats.org/markup-compatibility/2006">
-        <mc:Choice xmlns:a14="http://schemas.microsoft.com/office/drawing/2010/main" Requires="a14">
+      <mc:AlternateContent xmlns:mc="http://schemas.openxmlformats.org/markup-compatibility/2006" xmlns:a14="http://schemas.microsoft.com/office/drawing/2010/main">
+        <mc:Choice Requires="a14">
           <p:sp>
             <p:nvSpPr>
               <p:cNvPr id="50" name="ZoneTexte 49"/>
@@ -7292,7 +7292,7 @@
             </p:txBody>
           </p:sp>
         </mc:Choice>
-        <mc:Fallback>
+        <mc:Fallback xmlns="">
           <p:sp>
             <p:nvSpPr>
               <p:cNvPr id="50" name="ZoneTexte 49"/>
@@ -16758,8 +16758,8 @@
           </a:fontRef>
         </p:style>
       </p:cxnSp>
-      <mc:AlternateContent xmlns:mc="http://schemas.openxmlformats.org/markup-compatibility/2006">
-        <mc:Choice xmlns:a14="http://schemas.microsoft.com/office/drawing/2010/main" Requires="a14">
+      <mc:AlternateContent xmlns:mc="http://schemas.openxmlformats.org/markup-compatibility/2006" xmlns:a14="http://schemas.microsoft.com/office/drawing/2010/main">
+        <mc:Choice Requires="a14">
           <p:sp>
             <p:nvSpPr>
               <p:cNvPr id="9" name="ZoneTexte 8"/>
@@ -16821,7 +16821,7 @@
             </p:txBody>
           </p:sp>
         </mc:Choice>
-        <mc:Fallback>
+        <mc:Fallback xmlns="">
           <p:sp>
             <p:nvSpPr>
               <p:cNvPr id="9" name="ZoneTexte 8"/>
@@ -17009,8 +17009,8 @@
           </a:fontRef>
         </p:style>
       </p:cxnSp>
-      <mc:AlternateContent xmlns:mc="http://schemas.openxmlformats.org/markup-compatibility/2006">
-        <mc:Choice xmlns:a14="http://schemas.microsoft.com/office/drawing/2010/main" Requires="a14">
+      <mc:AlternateContent xmlns:mc="http://schemas.openxmlformats.org/markup-compatibility/2006" xmlns:a14="http://schemas.microsoft.com/office/drawing/2010/main">
+        <mc:Choice Requires="a14">
           <p:sp>
             <p:nvSpPr>
               <p:cNvPr id="32" name="Rectangle 31"/>
@@ -17084,7 +17084,7 @@
             </p:txBody>
           </p:sp>
         </mc:Choice>
-        <mc:Fallback>
+        <mc:Fallback xmlns="">
           <p:sp>
             <p:nvSpPr>
               <p:cNvPr id="32" name="Rectangle 31"/>
@@ -17161,8 +17161,8 @@
           </a:fontRef>
         </p:style>
       </p:cxnSp>
-      <mc:AlternateContent xmlns:mc="http://schemas.openxmlformats.org/markup-compatibility/2006">
-        <mc:Choice xmlns:a14="http://schemas.microsoft.com/office/drawing/2010/main" Requires="a14">
+      <mc:AlternateContent xmlns:mc="http://schemas.openxmlformats.org/markup-compatibility/2006" xmlns:a14="http://schemas.microsoft.com/office/drawing/2010/main">
+        <mc:Choice Requires="a14">
           <p:sp>
             <p:nvSpPr>
               <p:cNvPr id="34" name="Rectangle 33"/>
@@ -17248,7 +17248,7 @@
             </p:txBody>
           </p:sp>
         </mc:Choice>
-        <mc:Fallback>
+        <mc:Fallback xmlns="">
           <p:sp>
             <p:nvSpPr>
               <p:cNvPr id="34" name="Rectangle 33"/>
@@ -17359,8 +17359,8 @@
           </a:fontRef>
         </p:style>
       </p:cxnSp>
-      <mc:AlternateContent xmlns:mc="http://schemas.openxmlformats.org/markup-compatibility/2006">
-        <mc:Choice xmlns:a14="http://schemas.microsoft.com/office/drawing/2010/main" Requires="a14">
+      <mc:AlternateContent xmlns:mc="http://schemas.openxmlformats.org/markup-compatibility/2006" xmlns:a14="http://schemas.microsoft.com/office/drawing/2010/main">
+        <mc:Choice Requires="a14">
           <p:sp>
             <p:nvSpPr>
               <p:cNvPr id="37" name="Rectangle 36"/>
@@ -17434,7 +17434,7 @@
             </p:txBody>
           </p:sp>
         </mc:Choice>
-        <mc:Fallback>
+        <mc:Fallback xmlns="">
           <p:sp>
             <p:nvSpPr>
               <p:cNvPr id="37" name="Rectangle 36"/>
@@ -17547,8 +17547,8 @@
           </a:fontRef>
         </p:style>
       </p:cxnSp>
-      <mc:AlternateContent xmlns:mc="http://schemas.openxmlformats.org/markup-compatibility/2006">
-        <mc:Choice xmlns:a14="http://schemas.microsoft.com/office/drawing/2010/main" Requires="a14">
+      <mc:AlternateContent xmlns:mc="http://schemas.openxmlformats.org/markup-compatibility/2006" xmlns:a14="http://schemas.microsoft.com/office/drawing/2010/main">
+        <mc:Choice Requires="a14">
           <p:sp>
             <p:nvSpPr>
               <p:cNvPr id="60" name="ZoneTexte 59"/>
@@ -17629,7 +17629,7 @@
             </p:txBody>
           </p:sp>
         </mc:Choice>
-        <mc:Fallback>
+        <mc:Fallback xmlns="">
           <p:sp>
             <p:nvSpPr>
               <p:cNvPr id="60" name="ZoneTexte 59"/>
@@ -17706,8 +17706,8 @@
           </a:fontRef>
         </p:style>
       </p:cxnSp>
-      <mc:AlternateContent xmlns:mc="http://schemas.openxmlformats.org/markup-compatibility/2006">
-        <mc:Choice xmlns:a14="http://schemas.microsoft.com/office/drawing/2010/main" Requires="a14">
+      <mc:AlternateContent xmlns:mc="http://schemas.openxmlformats.org/markup-compatibility/2006" xmlns:a14="http://schemas.microsoft.com/office/drawing/2010/main">
+        <mc:Choice Requires="a14">
           <p:sp>
             <p:nvSpPr>
               <p:cNvPr id="24" name="ZoneTexte 23"/>
@@ -17769,7 +17769,7 @@
             </p:txBody>
           </p:sp>
         </mc:Choice>
-        <mc:Fallback>
+        <mc:Fallback xmlns="">
           <p:sp>
             <p:nvSpPr>
               <p:cNvPr id="24" name="ZoneTexte 23"/>
@@ -17808,8 +17808,8 @@
           </p:sp>
         </mc:Fallback>
       </mc:AlternateContent>
-      <mc:AlternateContent xmlns:mc="http://schemas.openxmlformats.org/markup-compatibility/2006">
-        <mc:Choice xmlns:a14="http://schemas.microsoft.com/office/drawing/2010/main" Requires="a14">
+      <mc:AlternateContent xmlns:mc="http://schemas.openxmlformats.org/markup-compatibility/2006" xmlns:a14="http://schemas.microsoft.com/office/drawing/2010/main">
+        <mc:Choice Requires="a14">
           <p:sp>
             <p:nvSpPr>
               <p:cNvPr id="27" name="ZoneTexte 26"/>
@@ -17871,7 +17871,7 @@
             </p:txBody>
           </p:sp>
         </mc:Choice>
-        <mc:Fallback>
+        <mc:Fallback xmlns="">
           <p:sp>
             <p:nvSpPr>
               <p:cNvPr id="27" name="ZoneTexte 26"/>
@@ -17910,8 +17910,8 @@
           </p:sp>
         </mc:Fallback>
       </mc:AlternateContent>
-      <mc:AlternateContent xmlns:mc="http://schemas.openxmlformats.org/markup-compatibility/2006">
-        <mc:Choice xmlns:a14="http://schemas.microsoft.com/office/drawing/2010/main" Requires="a14">
+      <mc:AlternateContent xmlns:mc="http://schemas.openxmlformats.org/markup-compatibility/2006" xmlns:a14="http://schemas.microsoft.com/office/drawing/2010/main">
+        <mc:Choice Requires="a14">
           <p:sp>
             <p:nvSpPr>
               <p:cNvPr id="28" name="Rectangle 27"/>
@@ -17985,7 +17985,7 @@
             </p:txBody>
           </p:sp>
         </mc:Choice>
-        <mc:Fallback>
+        <mc:Fallback xmlns="">
           <p:sp>
             <p:nvSpPr>
               <p:cNvPr id="28" name="Rectangle 27"/>
@@ -18173,8 +18173,8 @@
           </a:fontRef>
         </p:style>
       </p:cxnSp>
-      <mc:AlternateContent xmlns:mc="http://schemas.openxmlformats.org/markup-compatibility/2006">
-        <mc:Choice xmlns:a14="http://schemas.microsoft.com/office/drawing/2010/main" Requires="a14">
+      <mc:AlternateContent xmlns:mc="http://schemas.openxmlformats.org/markup-compatibility/2006" xmlns:a14="http://schemas.microsoft.com/office/drawing/2010/main">
+        <mc:Choice Requires="a14">
           <p:sp>
             <p:nvSpPr>
               <p:cNvPr id="47" name="ZoneTexte 46"/>
@@ -18255,7 +18255,7 @@
             </p:txBody>
           </p:sp>
         </mc:Choice>
-        <mc:Fallback>
+        <mc:Fallback xmlns="">
           <p:sp>
             <p:nvSpPr>
               <p:cNvPr id="47" name="ZoneTexte 46"/>
@@ -18366,8 +18366,8 @@
           </a:fontRef>
         </p:style>
       </p:cxnSp>
-      <mc:AlternateContent xmlns:mc="http://schemas.openxmlformats.org/markup-compatibility/2006">
-        <mc:Choice xmlns:a14="http://schemas.microsoft.com/office/drawing/2010/main" Requires="a14">
+      <mc:AlternateContent xmlns:mc="http://schemas.openxmlformats.org/markup-compatibility/2006" xmlns:a14="http://schemas.microsoft.com/office/drawing/2010/main">
+        <mc:Choice Requires="a14">
           <p:sp>
             <p:nvSpPr>
               <p:cNvPr id="50" name="ZoneTexte 49"/>
@@ -18451,7 +18451,7 @@
             </p:txBody>
           </p:sp>
         </mc:Choice>
-        <mc:Fallback>
+        <mc:Fallback xmlns="">
           <p:sp>
             <p:nvSpPr>
               <p:cNvPr id="50" name="ZoneTexte 49"/>
@@ -18526,8 +18526,8 @@
           </a:fontRef>
         </p:style>
       </p:cxnSp>
-      <mc:AlternateContent xmlns:mc="http://schemas.openxmlformats.org/markup-compatibility/2006">
-        <mc:Choice xmlns:a14="http://schemas.microsoft.com/office/drawing/2010/main" Requires="a14">
+      <mc:AlternateContent xmlns:mc="http://schemas.openxmlformats.org/markup-compatibility/2006" xmlns:a14="http://schemas.microsoft.com/office/drawing/2010/main">
+        <mc:Choice Requires="a14">
           <p:sp>
             <p:nvSpPr>
               <p:cNvPr id="54" name="Rectangle 53"/>
@@ -18601,7 +18601,7 @@
             </p:txBody>
           </p:sp>
         </mc:Choice>
-        <mc:Fallback>
+        <mc:Fallback xmlns="">
           <p:sp>
             <p:nvSpPr>
               <p:cNvPr id="54" name="Rectangle 53"/>
@@ -18782,8 +18782,8 @@
           </a:fontRef>
         </p:style>
       </p:cxnSp>
-      <mc:AlternateContent xmlns:mc="http://schemas.openxmlformats.org/markup-compatibility/2006">
-        <mc:Choice xmlns:a14="http://schemas.microsoft.com/office/drawing/2010/main" Requires="a14">
+      <mc:AlternateContent xmlns:mc="http://schemas.openxmlformats.org/markup-compatibility/2006" xmlns:a14="http://schemas.microsoft.com/office/drawing/2010/main">
+        <mc:Choice Requires="a14">
           <p:sp>
             <p:nvSpPr>
               <p:cNvPr id="9" name="ZoneTexte 8"/>
@@ -18845,7 +18845,7 @@
             </p:txBody>
           </p:sp>
         </mc:Choice>
-        <mc:Fallback>
+        <mc:Fallback xmlns="">
           <p:sp>
             <p:nvSpPr>
               <p:cNvPr id="9" name="ZoneTexte 8"/>
@@ -19033,8 +19033,8 @@
           </a:fontRef>
         </p:style>
       </p:cxnSp>
-      <mc:AlternateContent xmlns:mc="http://schemas.openxmlformats.org/markup-compatibility/2006">
-        <mc:Choice xmlns:a14="http://schemas.microsoft.com/office/drawing/2010/main" Requires="a14">
+      <mc:AlternateContent xmlns:mc="http://schemas.openxmlformats.org/markup-compatibility/2006" xmlns:a14="http://schemas.microsoft.com/office/drawing/2010/main">
+        <mc:Choice Requires="a14">
           <p:sp>
             <p:nvSpPr>
               <p:cNvPr id="32" name="Rectangle 31"/>
@@ -19108,7 +19108,7 @@
             </p:txBody>
           </p:sp>
         </mc:Choice>
-        <mc:Fallback>
+        <mc:Fallback xmlns="">
           <p:sp>
             <p:nvSpPr>
               <p:cNvPr id="32" name="Rectangle 31"/>
@@ -19185,8 +19185,8 @@
           </a:fontRef>
         </p:style>
       </p:cxnSp>
-      <mc:AlternateContent xmlns:mc="http://schemas.openxmlformats.org/markup-compatibility/2006">
-        <mc:Choice xmlns:a14="http://schemas.microsoft.com/office/drawing/2010/main" Requires="a14">
+      <mc:AlternateContent xmlns:mc="http://schemas.openxmlformats.org/markup-compatibility/2006" xmlns:a14="http://schemas.microsoft.com/office/drawing/2010/main">
+        <mc:Choice Requires="a14">
           <p:sp>
             <p:nvSpPr>
               <p:cNvPr id="34" name="Rectangle 33"/>
@@ -19272,7 +19272,7 @@
             </p:txBody>
           </p:sp>
         </mc:Choice>
-        <mc:Fallback>
+        <mc:Fallback xmlns="">
           <p:sp>
             <p:nvSpPr>
               <p:cNvPr id="34" name="Rectangle 33"/>
@@ -19383,8 +19383,8 @@
           </a:fontRef>
         </p:style>
       </p:cxnSp>
-      <mc:AlternateContent xmlns:mc="http://schemas.openxmlformats.org/markup-compatibility/2006">
-        <mc:Choice xmlns:a14="http://schemas.microsoft.com/office/drawing/2010/main" Requires="a14">
+      <mc:AlternateContent xmlns:mc="http://schemas.openxmlformats.org/markup-compatibility/2006" xmlns:a14="http://schemas.microsoft.com/office/drawing/2010/main">
+        <mc:Choice Requires="a14">
           <p:sp>
             <p:nvSpPr>
               <p:cNvPr id="37" name="Rectangle 36"/>
@@ -19458,7 +19458,7 @@
             </p:txBody>
           </p:sp>
         </mc:Choice>
-        <mc:Fallback>
+        <mc:Fallback xmlns="">
           <p:sp>
             <p:nvSpPr>
               <p:cNvPr id="37" name="Rectangle 36"/>
@@ -19571,8 +19571,8 @@
           </a:fontRef>
         </p:style>
       </p:cxnSp>
-      <mc:AlternateContent xmlns:mc="http://schemas.openxmlformats.org/markup-compatibility/2006">
-        <mc:Choice xmlns:a14="http://schemas.microsoft.com/office/drawing/2010/main" Requires="a14">
+      <mc:AlternateContent xmlns:mc="http://schemas.openxmlformats.org/markup-compatibility/2006" xmlns:a14="http://schemas.microsoft.com/office/drawing/2010/main">
+        <mc:Choice Requires="a14">
           <p:sp>
             <p:nvSpPr>
               <p:cNvPr id="60" name="ZoneTexte 59"/>
@@ -19653,7 +19653,7 @@
             </p:txBody>
           </p:sp>
         </mc:Choice>
-        <mc:Fallback>
+        <mc:Fallback xmlns="">
           <p:sp>
             <p:nvSpPr>
               <p:cNvPr id="60" name="ZoneTexte 59"/>
@@ -19730,8 +19730,8 @@
           </a:fontRef>
         </p:style>
       </p:cxnSp>
-      <mc:AlternateContent xmlns:mc="http://schemas.openxmlformats.org/markup-compatibility/2006">
-        <mc:Choice xmlns:a14="http://schemas.microsoft.com/office/drawing/2010/main" Requires="a14">
+      <mc:AlternateContent xmlns:mc="http://schemas.openxmlformats.org/markup-compatibility/2006" xmlns:a14="http://schemas.microsoft.com/office/drawing/2010/main">
+        <mc:Choice Requires="a14">
           <p:sp>
             <p:nvSpPr>
               <p:cNvPr id="24" name="ZoneTexte 23"/>
@@ -19793,7 +19793,7 @@
             </p:txBody>
           </p:sp>
         </mc:Choice>
-        <mc:Fallback>
+        <mc:Fallback xmlns="">
           <p:sp>
             <p:nvSpPr>
               <p:cNvPr id="24" name="ZoneTexte 23"/>
@@ -19832,8 +19832,8 @@
           </p:sp>
         </mc:Fallback>
       </mc:AlternateContent>
-      <mc:AlternateContent xmlns:mc="http://schemas.openxmlformats.org/markup-compatibility/2006">
-        <mc:Choice xmlns:a14="http://schemas.microsoft.com/office/drawing/2010/main" Requires="a14">
+      <mc:AlternateContent xmlns:mc="http://schemas.openxmlformats.org/markup-compatibility/2006" xmlns:a14="http://schemas.microsoft.com/office/drawing/2010/main">
+        <mc:Choice Requires="a14">
           <p:sp>
             <p:nvSpPr>
               <p:cNvPr id="27" name="ZoneTexte 26"/>
@@ -19895,7 +19895,7 @@
             </p:txBody>
           </p:sp>
         </mc:Choice>
-        <mc:Fallback>
+        <mc:Fallback xmlns="">
           <p:sp>
             <p:nvSpPr>
               <p:cNvPr id="27" name="ZoneTexte 26"/>
@@ -19934,8 +19934,8 @@
           </p:sp>
         </mc:Fallback>
       </mc:AlternateContent>
-      <mc:AlternateContent xmlns:mc="http://schemas.openxmlformats.org/markup-compatibility/2006">
-        <mc:Choice xmlns:a14="http://schemas.microsoft.com/office/drawing/2010/main" Requires="a14">
+      <mc:AlternateContent xmlns:mc="http://schemas.openxmlformats.org/markup-compatibility/2006" xmlns:a14="http://schemas.microsoft.com/office/drawing/2010/main">
+        <mc:Choice Requires="a14">
           <p:sp>
             <p:nvSpPr>
               <p:cNvPr id="28" name="Rectangle 27"/>
@@ -20009,7 +20009,7 @@
             </p:txBody>
           </p:sp>
         </mc:Choice>
-        <mc:Fallback>
+        <mc:Fallback xmlns="">
           <p:sp>
             <p:nvSpPr>
               <p:cNvPr id="28" name="Rectangle 27"/>
@@ -20197,8 +20197,8 @@
           </a:fontRef>
         </p:style>
       </p:cxnSp>
-      <mc:AlternateContent xmlns:mc="http://schemas.openxmlformats.org/markup-compatibility/2006">
-        <mc:Choice xmlns:a14="http://schemas.microsoft.com/office/drawing/2010/main" Requires="a14">
+      <mc:AlternateContent xmlns:mc="http://schemas.openxmlformats.org/markup-compatibility/2006" xmlns:a14="http://schemas.microsoft.com/office/drawing/2010/main">
+        <mc:Choice Requires="a14">
           <p:sp>
             <p:nvSpPr>
               <p:cNvPr id="47" name="ZoneTexte 46"/>
@@ -20279,7 +20279,7 @@
             </p:txBody>
           </p:sp>
         </mc:Choice>
-        <mc:Fallback>
+        <mc:Fallback xmlns="">
           <p:sp>
             <p:nvSpPr>
               <p:cNvPr id="47" name="ZoneTexte 46"/>
@@ -20390,8 +20390,8 @@
           </a:fontRef>
         </p:style>
       </p:cxnSp>
-      <mc:AlternateContent xmlns:mc="http://schemas.openxmlformats.org/markup-compatibility/2006">
-        <mc:Choice xmlns:a14="http://schemas.microsoft.com/office/drawing/2010/main" Requires="a14">
+      <mc:AlternateContent xmlns:mc="http://schemas.openxmlformats.org/markup-compatibility/2006" xmlns:a14="http://schemas.microsoft.com/office/drawing/2010/main">
+        <mc:Choice Requires="a14">
           <p:sp>
             <p:nvSpPr>
               <p:cNvPr id="50" name="ZoneTexte 49"/>
@@ -20475,7 +20475,7 @@
             </p:txBody>
           </p:sp>
         </mc:Choice>
-        <mc:Fallback>
+        <mc:Fallback xmlns="">
           <p:sp>
             <p:nvSpPr>
               <p:cNvPr id="50" name="ZoneTexte 49"/>
@@ -20550,8 +20550,8 @@
           </a:fontRef>
         </p:style>
       </p:cxnSp>
-      <mc:AlternateContent xmlns:mc="http://schemas.openxmlformats.org/markup-compatibility/2006">
-        <mc:Choice xmlns:a14="http://schemas.microsoft.com/office/drawing/2010/main" Requires="a14">
+      <mc:AlternateContent xmlns:mc="http://schemas.openxmlformats.org/markup-compatibility/2006" xmlns:a14="http://schemas.microsoft.com/office/drawing/2010/main">
+        <mc:Choice Requires="a14">
           <p:sp>
             <p:nvSpPr>
               <p:cNvPr id="54" name="Rectangle 53"/>
@@ -20625,7 +20625,7 @@
             </p:txBody>
           </p:sp>
         </mc:Choice>
-        <mc:Fallback>
+        <mc:Fallback xmlns="">
           <p:sp>
             <p:nvSpPr>
               <p:cNvPr id="54" name="Rectangle 53"/>
